--- a/Week10/W10.06. Select Current Recipe.pptx
+++ b/Week10/W10.06. Select Current Recipe.pptx
@@ -117,6 +117,35 @@
 </p:presentation>
 </file>
 
+<file path=ppt/changesInfos/changesInfo1.xml><?xml version="1.0" encoding="utf-8"?>
+<pc:chgInfo xmlns:a="http://schemas.openxmlformats.org/drawingml/2006/main" xmlns:r="http://schemas.openxmlformats.org/officeDocument/2006/relationships" xmlns:ac="http://schemas.microsoft.com/office/drawing/2013/main/command" xmlns:pc="http://schemas.microsoft.com/office/powerpoint/2013/main/command">
+  <pc:docChgLst>
+    <pc:chgData name="Chuck Kiefriter" userId="a996b49251c4dfd2" providerId="LiveId" clId="{7B2FDD65-1A7D-46D0-8F1B-526F24A2D0B2}"/>
+    <pc:docChg chg="modSld">
+      <pc:chgData name="Chuck Kiefriter" userId="a996b49251c4dfd2" providerId="LiveId" clId="{7B2FDD65-1A7D-46D0-8F1B-526F24A2D0B2}" dt="2024-04-10T22:57:27.939" v="0" actId="14100"/>
+      <pc:docMkLst>
+        <pc:docMk/>
+      </pc:docMkLst>
+      <pc:sldChg chg="modSp mod">
+        <pc:chgData name="Chuck Kiefriter" userId="a996b49251c4dfd2" providerId="LiveId" clId="{7B2FDD65-1A7D-46D0-8F1B-526F24A2D0B2}" dt="2024-04-10T22:57:27.939" v="0" actId="14100"/>
+        <pc:sldMkLst>
+          <pc:docMk/>
+          <pc:sldMk cId="3673632530" sldId="257"/>
+        </pc:sldMkLst>
+        <pc:spChg chg="mod">
+          <ac:chgData name="Chuck Kiefriter" userId="a996b49251c4dfd2" providerId="LiveId" clId="{7B2FDD65-1A7D-46D0-8F1B-526F24A2D0B2}" dt="2024-04-10T22:57:27.939" v="0" actId="14100"/>
+          <ac:spMkLst>
+            <pc:docMk/>
+            <pc:sldMk cId="3673632530" sldId="257"/>
+            <ac:spMk id="3" creationId="{E8017FAE-0973-4CE3-A2D0-347E32AEFD48}"/>
+          </ac:spMkLst>
+        </pc:spChg>
+      </pc:sldChg>
+    </pc:docChg>
+  </pc:docChgLst>
+</pc:chgInfo>
+</file>
+
 <file path=ppt/notesMasters/notesMaster1.xml><?xml version="1.0" encoding="utf-8"?>
 <p:notesMaster xmlns:a="http://schemas.openxmlformats.org/drawingml/2006/main" xmlns:r="http://schemas.openxmlformats.org/officeDocument/2006/relationships" xmlns:p="http://schemas.openxmlformats.org/presentationml/2006/main">
   <p:cSld>
@@ -199,7 +228,7 @@
           <a:p>
             <a:fld id="{BF1BC3E4-C956-40CB-AFCD-8F927AFF366E}" type="datetimeFigureOut">
               <a:rPr lang="en-US" smtClean="0"/>
-              <a:t>1/13/2022</a:t>
+              <a:t>4/10/2024</a:t>
             </a:fld>
             <a:endParaRPr lang="en-US"/>
           </a:p>
@@ -710,7 +739,7 @@
           <a:p>
             <a:fld id="{548C5E67-172B-4F6A-B3B9-DEF72F952E5B}" type="datetimeFigureOut">
               <a:rPr lang="en-US" smtClean="0"/>
-              <a:t>1/13/2022</a:t>
+              <a:t>4/10/2024</a:t>
             </a:fld>
             <a:endParaRPr lang="en-US"/>
           </a:p>
@@ -914,7 +943,7 @@
           <a:p>
             <a:fld id="{548C5E67-172B-4F6A-B3B9-DEF72F952E5B}" type="datetimeFigureOut">
               <a:rPr lang="en-US" smtClean="0"/>
-              <a:t>1/13/2022</a:t>
+              <a:t>4/10/2024</a:t>
             </a:fld>
             <a:endParaRPr lang="en-US"/>
           </a:p>
@@ -1108,7 +1137,7 @@
           <a:p>
             <a:fld id="{548C5E67-172B-4F6A-B3B9-DEF72F952E5B}" type="datetimeFigureOut">
               <a:rPr lang="en-US" smtClean="0"/>
-              <a:t>1/13/2022</a:t>
+              <a:t>4/10/2024</a:t>
             </a:fld>
             <a:endParaRPr lang="en-US"/>
           </a:p>
@@ -2153,7 +2182,7 @@
           <a:p>
             <a:fld id="{548C5E67-172B-4F6A-B3B9-DEF72F952E5B}" type="datetimeFigureOut">
               <a:rPr lang="en-US" smtClean="0"/>
-              <a:t>1/13/2022</a:t>
+              <a:t>4/10/2024</a:t>
             </a:fld>
             <a:endParaRPr lang="en-US"/>
           </a:p>
@@ -2434,7 +2463,7 @@
           <a:p>
             <a:fld id="{548C5E67-172B-4F6A-B3B9-DEF72F952E5B}" type="datetimeFigureOut">
               <a:rPr lang="en-US" smtClean="0"/>
-              <a:t>1/13/2022</a:t>
+              <a:t>4/10/2024</a:t>
             </a:fld>
             <a:endParaRPr lang="en-US"/>
           </a:p>
@@ -3086,7 +3115,7 @@
         <p:spPr>
           <a:xfrm>
             <a:off x="838200" y="1825625"/>
-            <a:ext cx="6413500" cy="4351338"/>
+            <a:ext cx="10582656" cy="4351338"/>
           </a:xfrm>
         </p:spPr>
         <p:txBody>
